--- a/Docs/Presentation.pptx
+++ b/Docs/Presentation.pptx
@@ -4718,7 +4718,7 @@
                 <a:effectLst/>
                 <a:latin typeface="-apple-system"/>
               </a:rPr>
-              <a:t>Тимлид, архитектор, дизайнер, верстальшик</a:t>
+              <a:t>Тимлид, архитектор, дизайнер, верстальщик</a:t>
             </a:r>
             <a:endParaRPr lang="ru-RU" sz="2000" b="1" i="0" dirty="0">
               <a:solidFill>

--- a/Docs/Presentation.pptx
+++ b/Docs/Presentation.pptx
@@ -207,7 +207,7 @@
           <a:p>
             <a:fld id="{D641496C-1F25-4644-A280-79F3B4450BA8}" type="datetimeFigureOut">
               <a:rPr lang="en-US" smtClean="0"/>
-              <a:t>-13-March-2024-</a:t>
+              <a:t>-16-April-2024-</a:t>
             </a:fld>
             <a:endParaRPr lang="en-US"/>
           </a:p>
@@ -621,7 +621,7 @@
           <a:p>
             <a:fld id="{EC57334D-7B8E-4557-815F-A3479E5E8253}" type="datetime1">
               <a:rPr lang="en-US" smtClean="0"/>
-              <a:t>-13-March-2024-</a:t>
+              <a:t>-16-April-2024-</a:t>
             </a:fld>
             <a:endParaRPr lang="en-US"/>
           </a:p>
@@ -819,7 +819,7 @@
           <a:p>
             <a:fld id="{0BEBFEA4-E2E1-4473-B45B-00DEC9A88538}" type="datetime1">
               <a:rPr lang="en-US" smtClean="0"/>
-              <a:t>-13-March-2024-</a:t>
+              <a:t>-16-April-2024-</a:t>
             </a:fld>
             <a:endParaRPr lang="en-US"/>
           </a:p>
@@ -1027,7 +1027,7 @@
           <a:p>
             <a:fld id="{73F3EB31-83C2-45CD-AA70-337622EDD7E4}" type="datetime1">
               <a:rPr lang="en-US" smtClean="0"/>
-              <a:t>-13-March-2024-</a:t>
+              <a:t>-16-April-2024-</a:t>
             </a:fld>
             <a:endParaRPr lang="en-US"/>
           </a:p>
@@ -1225,7 +1225,7 @@
           <a:p>
             <a:fld id="{9617C25F-09B7-4DA2-B382-F818E6A8D9EB}" type="datetime1">
               <a:rPr lang="en-US" smtClean="0"/>
-              <a:t>-13-March-2024-</a:t>
+              <a:t>-16-April-2024-</a:t>
             </a:fld>
             <a:endParaRPr lang="en-US"/>
           </a:p>
@@ -1500,7 +1500,7 @@
           <a:p>
             <a:fld id="{F65CC0CC-65F1-4DFE-9C27-E6CA1813FA30}" type="datetime1">
               <a:rPr lang="en-US" smtClean="0"/>
-              <a:t>-13-March-2024-</a:t>
+              <a:t>-16-April-2024-</a:t>
             </a:fld>
             <a:endParaRPr lang="en-US"/>
           </a:p>
@@ -1765,7 +1765,7 @@
           <a:p>
             <a:fld id="{B3E86A0B-DFD9-45A0-BE91-F49294D30538}" type="datetime1">
               <a:rPr lang="en-US" smtClean="0"/>
-              <a:t>-13-March-2024-</a:t>
+              <a:t>-16-April-2024-</a:t>
             </a:fld>
             <a:endParaRPr lang="en-US"/>
           </a:p>
@@ -2177,7 +2177,7 @@
           <a:p>
             <a:fld id="{7905845D-A752-4963-953B-E953B25E2FD8}" type="datetime1">
               <a:rPr lang="en-US" smtClean="0"/>
-              <a:t>-13-March-2024-</a:t>
+              <a:t>-16-April-2024-</a:t>
             </a:fld>
             <a:endParaRPr lang="en-US"/>
           </a:p>
@@ -2318,7 +2318,7 @@
           <a:p>
             <a:fld id="{A1ADF3DC-2437-4E99-BE97-B41E390274D0}" type="datetime1">
               <a:rPr lang="en-US" smtClean="0"/>
-              <a:t>-13-March-2024-</a:t>
+              <a:t>-16-April-2024-</a:t>
             </a:fld>
             <a:endParaRPr lang="en-US"/>
           </a:p>
@@ -2431,7 +2431,7 @@
           <a:p>
             <a:fld id="{5395FAD6-699F-444D-9F2F-5562D4C1CFEA}" type="datetime1">
               <a:rPr lang="en-US" smtClean="0"/>
-              <a:t>-13-March-2024-</a:t>
+              <a:t>-16-April-2024-</a:t>
             </a:fld>
             <a:endParaRPr lang="en-US"/>
           </a:p>
@@ -2742,7 +2742,7 @@
           <a:p>
             <a:fld id="{CCF333F2-8337-4A54-9673-017412BFF17C}" type="datetime1">
               <a:rPr lang="en-US" smtClean="0"/>
-              <a:t>-13-March-2024-</a:t>
+              <a:t>-16-April-2024-</a:t>
             </a:fld>
             <a:endParaRPr lang="en-US"/>
           </a:p>
@@ -3030,7 +3030,7 @@
           <a:p>
             <a:fld id="{41F547D6-EE68-4F7B-A1D5-9433C820BE0A}" type="datetime1">
               <a:rPr lang="en-US" smtClean="0"/>
-              <a:t>-13-March-2024-</a:t>
+              <a:t>-16-April-2024-</a:t>
             </a:fld>
             <a:endParaRPr lang="en-US"/>
           </a:p>
@@ -3274,7 +3274,7 @@
           <a:p>
             <a:fld id="{EB101C4D-E83D-4A72-8280-815A0DC79E00}" type="datetime1">
               <a:rPr lang="en-US" smtClean="0"/>
-              <a:t>-13-March-2024-</a:t>
+              <a:t>-16-April-2024-</a:t>
             </a:fld>
             <a:endParaRPr lang="en-US"/>
           </a:p>
@@ -4512,45 +4512,6 @@
           </a:prstGeom>
         </p:spPr>
       </p:pic>
-      <p:pic>
-        <p:nvPicPr>
-          <p:cNvPr id="3" name="Graphic 2">
-            <a:extLst>
-              <a:ext uri="{FF2B5EF4-FFF2-40B4-BE49-F238E27FC236}">
-                <a16:creationId xmlns:a16="http://schemas.microsoft.com/office/drawing/2014/main" id="{52A7FFBF-D345-4F6A-4FD6-5F950A31D3E0}"/>
-              </a:ext>
-            </a:extLst>
-          </p:cNvPr>
-          <p:cNvPicPr>
-            <a:picLocks noChangeAspect="1"/>
-          </p:cNvPicPr>
-          <p:nvPr/>
-        </p:nvPicPr>
-        <p:blipFill>
-          <a:blip r:embed="rId4">
-            <a:extLst>
-              <a:ext uri="{28A0092B-C50C-407E-A947-70E740481C1C}">
-                <a14:useLocalDpi xmlns:a14="http://schemas.microsoft.com/office/drawing/2010/main" val="0"/>
-              </a:ext>
-              <a:ext uri="{96DAC541-7B7A-43D3-8B79-37D633B846F1}">
-                <asvg:svgBlip xmlns:asvg="http://schemas.microsoft.com/office/drawing/2016/SVG/main" r:embed="rId5"/>
-              </a:ext>
-            </a:extLst>
-          </a:blip>
-          <a:stretch>
-            <a:fillRect/>
-          </a:stretch>
-        </p:blipFill>
-        <p:spPr>
-          <a:xfrm>
-            <a:off x="8775700" y="3592944"/>
-            <a:ext cx="3265056" cy="3265056"/>
-          </a:xfrm>
-          <a:prstGeom prst="rect">
-            <a:avLst/>
-          </a:prstGeom>
-        </p:spPr>
-      </p:pic>
       <p:sp>
         <p:nvSpPr>
           <p:cNvPr id="4" name="Rectangle: Rounded Corners 3">
@@ -4565,8 +4526,8 @@
         </p:nvSpPr>
         <p:spPr>
           <a:xfrm>
-            <a:off x="9063038" y="3292024"/>
-            <a:ext cx="2657476" cy="508000"/>
+            <a:off x="8753379" y="2697932"/>
+            <a:ext cx="3204927" cy="579969"/>
           </a:xfrm>
           <a:prstGeom prst="roundRect">
             <a:avLst/>
@@ -4620,6 +4581,42 @@
           </a:p>
         </p:txBody>
       </p:sp>
+      <p:pic>
+        <p:nvPicPr>
+          <p:cNvPr id="16" name="Picture 15">
+            <a:extLst>
+              <a:ext uri="{FF2B5EF4-FFF2-40B4-BE49-F238E27FC236}">
+                <a16:creationId xmlns:a16="http://schemas.microsoft.com/office/drawing/2014/main" id="{6FE81A01-6B5E-4140-9297-767BE9207E1B}"/>
+              </a:ext>
+            </a:extLst>
+          </p:cNvPr>
+          <p:cNvPicPr>
+            <a:picLocks noChangeAspect="1"/>
+          </p:cNvPicPr>
+          <p:nvPr/>
+        </p:nvPicPr>
+        <p:blipFill>
+          <a:blip r:embed="rId4">
+            <a:extLst>
+              <a:ext uri="{28A0092B-C50C-407E-A947-70E740481C1C}">
+                <a14:useLocalDpi xmlns:a14="http://schemas.microsoft.com/office/drawing/2010/main" val="0"/>
+              </a:ext>
+            </a:extLst>
+          </a:blip>
+          <a:stretch>
+            <a:fillRect/>
+          </a:stretch>
+        </p:blipFill>
+        <p:spPr>
+          <a:xfrm>
+            <a:off x="8673219" y="3358124"/>
+            <a:ext cx="3367535" cy="3367535"/>
+          </a:xfrm>
+          <a:prstGeom prst="rect">
+            <a:avLst/>
+          </a:prstGeom>
+        </p:spPr>
+      </p:pic>
     </p:spTree>
     <p:extLst>
       <p:ext uri="{BB962C8B-B14F-4D97-AF65-F5344CB8AC3E}">
